--- a/ex1/計算物理.pptx
+++ b/ex1/計算物理.pptx
@@ -11,6 +11,7 @@
     <p:sldId id="258" r:id="rId5"/>
     <p:sldId id="259" r:id="rId6"/>
     <p:sldId id="260" r:id="rId7"/>
+    <p:sldId id="264" r:id="rId8"/>
   </p:sldIdLst>
   <p:sldSz cx="12192000" cy="6858000"/>
   <p:notesSz cx="6858000" cy="9144000"/>
@@ -256,7 +257,7 @@
           <a:p>
             <a:fld id="{A423BF71-38B7-8642-BFCE-EDAE9BD0CBAF}" type="datetimeFigureOut">
               <a:rPr lang="en-US" dirty="0"/>
-              <a:t>10/13/2019</a:t>
+              <a:t>1/12/2020</a:t>
             </a:fld>
             <a:endParaRPr lang="en-US" dirty="0"/>
           </a:p>
@@ -468,7 +469,7 @@
           <a:p>
             <a:fld id="{73B025CB-9D18-264E-A945-2D020344C9DA}" type="datetimeFigureOut">
               <a:rPr lang="en-US" dirty="0"/>
-              <a:t>10/13/2019</a:t>
+              <a:t>1/12/2020</a:t>
             </a:fld>
             <a:endParaRPr lang="en-US" dirty="0"/>
           </a:p>
@@ -684,7 +685,7 @@
           <a:p>
             <a:fld id="{507EFB6C-7E96-8F41-8872-189CA1C59F84}" type="datetimeFigureOut">
               <a:rPr lang="en-US" dirty="0"/>
-              <a:t>10/13/2019</a:t>
+              <a:t>1/12/2020</a:t>
             </a:fld>
             <a:endParaRPr lang="en-US" dirty="0"/>
           </a:p>
@@ -886,7 +887,7 @@
           <a:p>
             <a:fld id="{B6981CDE-9BE7-C544-8ACB-7077DFC4270F}" type="datetimeFigureOut">
               <a:rPr lang="en-US" dirty="0"/>
-              <a:t>10/13/2019</a:t>
+              <a:t>1/12/2020</a:t>
             </a:fld>
             <a:endParaRPr lang="en-US" dirty="0"/>
           </a:p>
@@ -1166,7 +1167,7 @@
           <a:p>
             <a:fld id="{B55BA285-9698-1B45-8319-D90A8C63F150}" type="datetimeFigureOut">
               <a:rPr lang="en-US" dirty="0"/>
-              <a:t>10/13/2019</a:t>
+              <a:t>1/12/2020</a:t>
             </a:fld>
             <a:endParaRPr lang="en-US" dirty="0"/>
           </a:p>
@@ -1435,7 +1436,7 @@
           <a:p>
             <a:fld id="{0A86CD42-43FF-B740-998F-DCC3802C4CE3}" type="datetimeFigureOut">
               <a:rPr lang="en-US" dirty="0"/>
-              <a:t>10/13/2019</a:t>
+              <a:t>1/12/2020</a:t>
             </a:fld>
             <a:endParaRPr lang="en-US" dirty="0"/>
           </a:p>
@@ -1852,7 +1853,7 @@
           <a:p>
             <a:fld id="{CEA0FFBD-2EE4-8547-BBAE-A1AC91C8D77E}" type="datetimeFigureOut">
               <a:rPr lang="en-US" dirty="0"/>
-              <a:t>10/13/2019</a:t>
+              <a:t>1/12/2020</a:t>
             </a:fld>
             <a:endParaRPr lang="en-US" dirty="0"/>
           </a:p>
@@ -2002,7 +2003,7 @@
           <a:p>
             <a:fld id="{955A2352-D7AC-F242-9256-A4477BCBF354}" type="datetimeFigureOut">
               <a:rPr lang="en-US" dirty="0"/>
-              <a:t>10/13/2019</a:t>
+              <a:t>1/12/2020</a:t>
             </a:fld>
             <a:endParaRPr lang="en-US" dirty="0"/>
           </a:p>
@@ -2129,7 +2130,7 @@
           <a:p>
             <a:fld id="{4EFCFC6A-9AE6-404D-9FDD-168B477B9C90}" type="datetimeFigureOut">
               <a:rPr lang="en-US" dirty="0"/>
-              <a:t>10/13/2019</a:t>
+              <a:t>1/12/2020</a:t>
             </a:fld>
             <a:endParaRPr lang="en-US" dirty="0"/>
           </a:p>
@@ -2375,7 +2376,7 @@
           <a:p>
             <a:fld id="{61CFCDFD-B4CF-A241-8D71-E814B10BEAF4}" type="datetimeFigureOut">
               <a:rPr lang="en-US" dirty="0"/>
-              <a:t>10/13/2019</a:t>
+              <a:t>1/12/2020</a:t>
             </a:fld>
             <a:endParaRPr lang="en-US" dirty="0"/>
           </a:p>
@@ -2825,7 +2826,7 @@
           <a:p>
             <a:fld id="{26A7B589-FD4B-7E46-869A-CBADC5FC564E}" type="datetimeFigureOut">
               <a:rPr lang="en-US" dirty="0"/>
-              <a:t>10/13/2019</a:t>
+              <a:t>1/12/2020</a:t>
             </a:fld>
             <a:endParaRPr lang="en-US" dirty="0"/>
           </a:p>
@@ -3146,7 +3147,7 @@
           <a:p>
             <a:fld id="{4CD8A92E-5FF9-8143-81B3-CCB531513398}" type="datetimeFigureOut">
               <a:rPr lang="en-US" dirty="0"/>
-              <a:t>10/13/2019</a:t>
+              <a:t>1/12/2020</a:t>
             </a:fld>
             <a:endParaRPr lang="en-US" dirty="0"/>
           </a:p>
@@ -3768,7 +3769,7 @@
         </p:blipFill>
         <p:spPr>
           <a:xfrm>
-            <a:off x="7429299" y="2228295"/>
+            <a:off x="8195917" y="3161168"/>
             <a:ext cx="2750544" cy="2017065"/>
           </a:xfrm>
           <a:prstGeom prst="rect">
@@ -3791,7 +3792,7 @@
         <p:spPr>
           <a:xfrm>
             <a:off x="1642369" y="2228295"/>
-            <a:ext cx="5202314" cy="646331"/>
+            <a:ext cx="7270722" cy="830997"/>
           </a:xfrm>
           <a:prstGeom prst="rect">
             <a:avLst/>
@@ -3805,16 +3806,16 @@
           <a:lstStyle/>
           <a:p>
             <a:r>
-              <a:rPr lang="en-US" altLang="zh-TW" dirty="0"/>
+              <a:rPr lang="en-US" altLang="zh-TW" sz="2400" dirty="0"/>
               <a:t>Using different data type to calculate the formula</a:t>
             </a:r>
           </a:p>
           <a:p>
             <a:r>
-              <a:rPr lang="en-US" altLang="zh-TW" dirty="0"/>
+              <a:rPr lang="en-US" altLang="zh-TW" sz="2400" dirty="0"/>
               <a:t>And compare the difference</a:t>
             </a:r>
-            <a:endParaRPr lang="zh-TW" altLang="en-US" dirty="0"/>
+            <a:endParaRPr lang="zh-TW" altLang="en-US" sz="2400" dirty="0"/>
           </a:p>
         </p:txBody>
       </p:sp>
@@ -4021,23 +4022,7 @@
             </a:br>
             <a:r>
               <a:rPr lang="en-US" altLang="zh-TW" dirty="0"/>
-              <a:t>Plot            (</a:t>
-            </a:r>
-            <a:r>
-              <a:rPr lang="zh-TW" altLang="en-US" dirty="0"/>
-              <a:t>左</a:t>
-            </a:r>
-            <a:r>
-              <a:rPr lang="en-US" altLang="zh-TW" dirty="0"/>
-              <a:t>log10)                      (</a:t>
-            </a:r>
-            <a:r>
-              <a:rPr lang="zh-TW" altLang="en-US" dirty="0"/>
-              <a:t>右</a:t>
-            </a:r>
-            <a:r>
-              <a:rPr lang="en-US" altLang="zh-TW" dirty="0"/>
-              <a:t>linear)</a:t>
+              <a:t>Plot            (log10)                      (linear)</a:t>
             </a:r>
             <a:endParaRPr lang="zh-TW" altLang="en-US" dirty="0"/>
           </a:p>
@@ -4168,58 +4153,6 @@
       </p:pic>
       <p:sp>
         <p:nvSpPr>
-          <p:cNvPr id="5" name="橢圓 4">
-            <a:extLst>
-              <a:ext uri="{FF2B5EF4-FFF2-40B4-BE49-F238E27FC236}">
-                <a16:creationId xmlns:a16="http://schemas.microsoft.com/office/drawing/2014/main" id="{A82E6883-96BF-4832-B504-1ACDD9AE1EA8}"/>
-              </a:ext>
-            </a:extLst>
-          </p:cNvPr>
-          <p:cNvSpPr/>
-          <p:nvPr/>
-        </p:nvSpPr>
-        <p:spPr>
-          <a:xfrm>
-            <a:off x="1145219" y="4332303"/>
-            <a:ext cx="976544" cy="594804"/>
-          </a:xfrm>
-          <a:prstGeom prst="ellipse">
-            <a:avLst/>
-          </a:prstGeom>
-          <a:noFill/>
-          <a:ln w="76200">
-            <a:solidFill>
-              <a:srgbClr val="FFFF00"/>
-            </a:solidFill>
-          </a:ln>
-        </p:spPr>
-        <p:style>
-          <a:lnRef idx="2">
-            <a:schemeClr val="accent1">
-              <a:shade val="50000"/>
-            </a:schemeClr>
-          </a:lnRef>
-          <a:fillRef idx="1">
-            <a:schemeClr val="accent1"/>
-          </a:fillRef>
-          <a:effectRef idx="0">
-            <a:schemeClr val="accent1"/>
-          </a:effectRef>
-          <a:fontRef idx="minor">
-            <a:schemeClr val="lt1"/>
-          </a:fontRef>
-        </p:style>
-        <p:txBody>
-          <a:bodyPr rtlCol="0" anchor="ctr"/>
-          <a:lstStyle/>
-          <a:p>
-            <a:pPr algn="ctr"/>
-            <a:endParaRPr lang="zh-TW" altLang="en-US"/>
-          </a:p>
-        </p:txBody>
-      </p:sp>
-      <p:sp>
-        <p:nvSpPr>
           <p:cNvPr id="6" name="文字方塊 5">
             <a:extLst>
               <a:ext uri="{FF2B5EF4-FFF2-40B4-BE49-F238E27FC236}">
@@ -4388,6 +4321,264 @@
     <p:extLst>
       <p:ext uri="{BB962C8B-B14F-4D97-AF65-F5344CB8AC3E}">
         <p14:creationId xmlns:p14="http://schemas.microsoft.com/office/powerpoint/2010/main" val="2396498899"/>
+      </p:ext>
+    </p:extLst>
+  </p:cSld>
+  <p:clrMapOvr>
+    <a:masterClrMapping/>
+  </p:clrMapOvr>
+</p:sld>
+</file>
+
+<file path=ppt/slides/slide7.xml><?xml version="1.0" encoding="utf-8"?>
+<p:sld xmlns:a="http://schemas.openxmlformats.org/drawingml/2006/main" xmlns:r="http://schemas.openxmlformats.org/officeDocument/2006/relationships" xmlns:p="http://schemas.openxmlformats.org/presentationml/2006/main">
+  <p:cSld>
+    <p:spTree>
+      <p:nvGrpSpPr>
+        <p:cNvPr id="1" name=""/>
+        <p:cNvGrpSpPr/>
+        <p:nvPr/>
+      </p:nvGrpSpPr>
+      <p:grpSpPr>
+        <a:xfrm>
+          <a:off x="0" y="0"/>
+          <a:ext cx="0" cy="0"/>
+          <a:chOff x="0" y="0"/>
+          <a:chExt cx="0" cy="0"/>
+        </a:xfrm>
+      </p:grpSpPr>
+      <p:sp>
+        <p:nvSpPr>
+          <p:cNvPr id="2" name="標題 1">
+            <a:extLst>
+              <a:ext uri="{FF2B5EF4-FFF2-40B4-BE49-F238E27FC236}">
+                <a16:creationId xmlns:a16="http://schemas.microsoft.com/office/drawing/2014/main" id="{D2E8AD71-EA96-4765-8561-899884622425}"/>
+              </a:ext>
+            </a:extLst>
+          </p:cNvPr>
+          <p:cNvSpPr>
+            <a:spLocks noGrp="1"/>
+          </p:cNvSpPr>
+          <p:nvPr>
+            <p:ph type="title"/>
+          </p:nvPr>
+        </p:nvSpPr>
+        <p:spPr/>
+        <p:txBody>
+          <a:bodyPr>
+            <a:normAutofit/>
+          </a:bodyPr>
+          <a:lstStyle/>
+          <a:p>
+            <a:r>
+              <a:rPr lang="en-US" altLang="zh-TW" sz="4400" dirty="0"/>
+              <a:t>Conclusion</a:t>
+            </a:r>
+            <a:endParaRPr lang="zh-TW" altLang="en-US" sz="4400" dirty="0"/>
+          </a:p>
+        </p:txBody>
+      </p:sp>
+      <mc:AlternateContent xmlns:mc="http://schemas.openxmlformats.org/markup-compatibility/2006">
+        <mc:Choice xmlns:a14="http://schemas.microsoft.com/office/drawing/2010/main" Requires="a14">
+          <p:sp>
+            <p:nvSpPr>
+              <p:cNvPr id="3" name="內容版面配置區 2">
+                <a:extLst>
+                  <a:ext uri="{FF2B5EF4-FFF2-40B4-BE49-F238E27FC236}">
+                    <a16:creationId xmlns:a16="http://schemas.microsoft.com/office/drawing/2014/main" id="{88CA60C6-7D47-4E23-BB0D-E573B2897ABE}"/>
+                  </a:ext>
+                </a:extLst>
+              </p:cNvPr>
+              <p:cNvSpPr>
+                <a:spLocks noGrp="1"/>
+              </p:cNvSpPr>
+              <p:nvPr>
+                <p:ph idx="1"/>
+              </p:nvPr>
+            </p:nvSpPr>
+            <p:spPr/>
+            <p:txBody>
+              <a:bodyPr/>
+              <a:lstStyle/>
+              <a:p>
+                <a:pPr>
+                  <a:lnSpc>
+                    <a:spcPct val="150000"/>
+                  </a:lnSpc>
+                </a:pPr>
+                <a14:m>
+                  <m:oMath xmlns:m="http://schemas.openxmlformats.org/officeDocument/2006/math">
+                    <m:sSub>
+                      <m:sSubPr>
+                        <m:ctrlPr>
+                          <a:rPr lang="en-US" altLang="zh-TW" sz="2800" b="0" i="1" smtClean="0">
+                            <a:latin typeface="Cambria Math" panose="02040503050406030204" pitchFamily="18" charset="0"/>
+                          </a:rPr>
+                        </m:ctrlPr>
+                      </m:sSubPr>
+                      <m:e>
+                        <m:r>
+                          <a:rPr lang="en-US" altLang="zh-TW" sz="2800" b="0" i="1" smtClean="0">
+                            <a:latin typeface="Cambria Math" panose="02040503050406030204" pitchFamily="18" charset="0"/>
+                          </a:rPr>
+                          <m:t>𝑠</m:t>
+                        </m:r>
+                      </m:e>
+                      <m:sub>
+                        <m:r>
+                          <a:rPr lang="en-US" altLang="zh-TW" sz="2800" b="0" i="1" smtClean="0">
+                            <a:latin typeface="Cambria Math" panose="02040503050406030204" pitchFamily="18" charset="0"/>
+                          </a:rPr>
+                          <m:t>𝑑𝑜𝑤𝑛</m:t>
+                        </m:r>
+                      </m:sub>
+                    </m:sSub>
+                    <m:r>
+                      <a:rPr lang="en-US" altLang="zh-TW" sz="2800" b="0" i="1" smtClean="0">
+                        <a:latin typeface="Cambria Math" panose="02040503050406030204" pitchFamily="18" charset="0"/>
+                      </a:rPr>
+                      <m:t> </m:t>
+                    </m:r>
+                  </m:oMath>
+                </a14:m>
+                <a:r>
+                  <a:rPr lang="en-US" altLang="zh-TW" sz="2800" dirty="0"/>
+                  <a:t>is more accurate then the</a:t>
+                </a:r>
+                <a:r>
+                  <a:rPr lang="en-US" altLang="zh-TW" sz="2800" dirty="0">
+                    <a:solidFill>
+                      <a:srgbClr val="FF0000"/>
+                    </a:solidFill>
+                  </a:rPr>
+                  <a:t> </a:t>
+                </a:r>
+                <a14:m>
+                  <m:oMath xmlns:m="http://schemas.openxmlformats.org/officeDocument/2006/math">
+                    <m:sSub>
+                      <m:sSubPr>
+                        <m:ctrlPr>
+                          <a:rPr lang="en-US" altLang="zh-TW" sz="2800" i="1">
+                            <a:latin typeface="Cambria Math" panose="02040503050406030204" pitchFamily="18" charset="0"/>
+                          </a:rPr>
+                        </m:ctrlPr>
+                      </m:sSubPr>
+                      <m:e>
+                        <m:r>
+                          <a:rPr lang="en-US" altLang="zh-TW" sz="2800" i="1">
+                            <a:latin typeface="Cambria Math" panose="02040503050406030204" pitchFamily="18" charset="0"/>
+                          </a:rPr>
+                          <m:t>𝑠</m:t>
+                        </m:r>
+                      </m:e>
+                      <m:sub>
+                        <m:r>
+                          <a:rPr lang="en-US" altLang="zh-TW" sz="2800" b="0" i="1" smtClean="0">
+                            <a:latin typeface="Cambria Math" panose="02040503050406030204" pitchFamily="18" charset="0"/>
+                          </a:rPr>
+                          <m:t>𝑢𝑝</m:t>
+                        </m:r>
+                      </m:sub>
+                    </m:sSub>
+                    <m:r>
+                      <a:rPr lang="en-US" altLang="zh-TW" sz="2800" i="1">
+                        <a:latin typeface="Cambria Math" panose="02040503050406030204" pitchFamily="18" charset="0"/>
+                      </a:rPr>
+                      <m:t> </m:t>
+                    </m:r>
+                  </m:oMath>
+                </a14:m>
+                <a:endParaRPr lang="en-US" altLang="zh-TW" dirty="0"/>
+              </a:p>
+              <a:p>
+                <a:pPr>
+                  <a:lnSpc>
+                    <a:spcPct val="150000"/>
+                  </a:lnSpc>
+                </a:pPr>
+                <a:r>
+                  <a:rPr lang="en-US" altLang="zh-TW" sz="2800" dirty="0"/>
+                  <a:t>These are from truncation error.</a:t>
+                </a:r>
+                <a:endParaRPr lang="zh-TW" altLang="en-US" sz="2800" dirty="0"/>
+              </a:p>
+            </p:txBody>
+          </p:sp>
+        </mc:Choice>
+        <mc:Fallback>
+          <p:sp>
+            <p:nvSpPr>
+              <p:cNvPr id="3" name="內容版面配置區 2">
+                <a:extLst>
+                  <a:ext uri="{FF2B5EF4-FFF2-40B4-BE49-F238E27FC236}">
+                    <a16:creationId xmlns:a16="http://schemas.microsoft.com/office/drawing/2014/main" id="{88CA60C6-7D47-4E23-BB0D-E573B2897ABE}"/>
+                  </a:ext>
+                </a:extLst>
+              </p:cNvPr>
+              <p:cNvSpPr>
+                <a:spLocks noGrp="1" noRot="1" noChangeAspect="1" noMove="1" noResize="1" noEditPoints="1" noAdjustHandles="1" noChangeArrowheads="1" noChangeShapeType="1" noTextEdit="1"/>
+              </p:cNvSpPr>
+              <p:nvPr>
+                <p:ph idx="1"/>
+              </p:nvPr>
+            </p:nvSpPr>
+            <p:spPr>
+              <a:blipFill>
+                <a:blip r:embed="rId2"/>
+                <a:stretch>
+                  <a:fillRect l="-1153"/>
+                </a:stretch>
+              </a:blipFill>
+            </p:spPr>
+            <p:txBody>
+              <a:bodyPr/>
+              <a:lstStyle/>
+              <a:p>
+                <a:r>
+                  <a:rPr lang="zh-TW" altLang="en-US">
+                    <a:noFill/>
+                  </a:rPr>
+                  <a:t> </a:t>
+                </a:r>
+              </a:p>
+            </p:txBody>
+          </p:sp>
+        </mc:Fallback>
+      </mc:AlternateContent>
+      <p:pic>
+        <p:nvPicPr>
+          <p:cNvPr id="4" name="內容版面配置區 3">
+            <a:extLst>
+              <a:ext uri="{FF2B5EF4-FFF2-40B4-BE49-F238E27FC236}">
+                <a16:creationId xmlns:a16="http://schemas.microsoft.com/office/drawing/2014/main" id="{E1FE8DBA-944A-4795-8217-A20E47B6FA28}"/>
+              </a:ext>
+            </a:extLst>
+          </p:cNvPr>
+          <p:cNvPicPr>
+            <a:picLocks noChangeAspect="1"/>
+          </p:cNvPicPr>
+          <p:nvPr/>
+        </p:nvPicPr>
+        <p:blipFill>
+          <a:blip r:embed="rId3"/>
+          <a:stretch>
+            <a:fillRect/>
+          </a:stretch>
+        </p:blipFill>
+        <p:spPr>
+          <a:xfrm>
+            <a:off x="8304310" y="845221"/>
+            <a:ext cx="2750544" cy="2017065"/>
+          </a:xfrm>
+          <a:prstGeom prst="rect">
+            <a:avLst/>
+          </a:prstGeom>
+        </p:spPr>
+      </p:pic>
+    </p:spTree>
+    <p:extLst>
+      <p:ext uri="{BB962C8B-B14F-4D97-AF65-F5344CB8AC3E}">
+        <p14:creationId xmlns:p14="http://schemas.microsoft.com/office/powerpoint/2010/main" val="3131530887"/>
       </p:ext>
     </p:extLst>
   </p:cSld>
